--- a/analyzing_key_indicators_of_high_app_reviews/presentation.pptx
+++ b/analyzing_key_indicators_of_high_app_reviews/presentation.pptx
@@ -906,16 +906,83 @@
           </a:bodyPr>
           <a:lstStyle/>
           <a:p>
-            <a:pPr marL="0" lvl="0" indent="0" algn="l" rtl="0">
-              <a:spcBef>
-                <a:spcPts val="0"/>
-              </a:spcBef>
-              <a:spcAft>
-                <a:spcPts val="0"/>
-              </a:spcAft>
-              <a:buNone/>
+            <a:pPr marL="171450" lvl="0" indent="-171450" algn="l" rtl="0">
+              <a:spcBef>
+                <a:spcPts val="0"/>
+              </a:spcBef>
+              <a:spcAft>
+                <a:spcPts val="0"/>
+              </a:spcAft>
             </a:pPr>
-            <a:endParaRPr/>
+            <a:r>
+              <a:rPr lang="en-US" dirty="0"/>
+              <a:t>Grid Search parameters: </a:t>
+            </a:r>
+            <a:r>
+              <a:rPr lang="en-US" dirty="0" err="1"/>
+              <a:t>n_estimators</a:t>
+            </a:r>
+            <a:r>
+              <a:rPr lang="en-US" dirty="0"/>
+              <a:t>, </a:t>
+            </a:r>
+            <a:r>
+              <a:rPr lang="en-US" dirty="0" err="1"/>
+              <a:t>max_depth</a:t>
+            </a:r>
+            <a:r>
+              <a:rPr lang="en-US" dirty="0"/>
+              <a:t>, </a:t>
+            </a:r>
+            <a:r>
+              <a:rPr lang="en-US" dirty="0" err="1"/>
+              <a:t>min_samples_split</a:t>
+            </a:r>
+            <a:r>
+              <a:rPr lang="en-US" dirty="0"/>
+              <a:t>, </a:t>
+            </a:r>
+            <a:r>
+              <a:rPr lang="en-US" dirty="0" err="1"/>
+              <a:t>min_samples_leaf</a:t>
+            </a:r>
+            <a:endParaRPr lang="en-US" dirty="0"/>
+          </a:p>
+          <a:p>
+            <a:pPr marL="171450" lvl="0" indent="-171450" algn="l" rtl="0">
+              <a:spcBef>
+                <a:spcPts val="0"/>
+              </a:spcBef>
+              <a:spcAft>
+                <a:spcPts val="0"/>
+              </a:spcAft>
+            </a:pPr>
+            <a:r>
+              <a:rPr lang="en-US" dirty="0"/>
+              <a:t>5 fold Cross Validation</a:t>
+            </a:r>
+          </a:p>
+          <a:p>
+            <a:pPr marL="171450" lvl="0" indent="-171450" algn="l" rtl="0">
+              <a:spcBef>
+                <a:spcPts val="0"/>
+              </a:spcBef>
+              <a:spcAft>
+                <a:spcPts val="0"/>
+              </a:spcAft>
+            </a:pPr>
+            <a:endParaRPr lang="en-US" dirty="0"/>
+          </a:p>
+          <a:p>
+            <a:pPr marL="171450" lvl="0" indent="-171450" algn="l" rtl="0">
+              <a:spcBef>
+                <a:spcPts val="0"/>
+              </a:spcBef>
+              <a:spcAft>
+                <a:spcPts val="0"/>
+              </a:spcAft>
+            </a:pPr>
+            <a:endParaRPr dirty="0"/>
           </a:p>
         </p:txBody>
       </p:sp>
@@ -1777,7 +1844,11 @@
               </a:spcAft>
               <a:buNone/>
             </a:pPr>
-            <a:endParaRPr/>
+            <a:r>
+              <a:rPr lang="en-US" dirty="0"/>
+              <a:t>Price appears to have a correlation with a higher user rating for apps with a rating from 4 to 5 (what we consider a “highly rated” app)</a:t>
+            </a:r>
+            <a:endParaRPr dirty="0"/>
           </a:p>
         </p:txBody>
       </p:sp>
@@ -1886,7 +1957,11 @@
               </a:spcAft>
               <a:buNone/>
             </a:pPr>
-            <a:endParaRPr/>
+            <a:r>
+              <a:rPr lang="en-US" dirty="0"/>
+              <a:t>Books appear to have the highest average rating along with Catalogs which come in at ~4.2</a:t>
+            </a:r>
+            <a:endParaRPr dirty="0"/>
           </a:p>
         </p:txBody>
       </p:sp>
@@ -1995,7 +2070,10 @@
               </a:spcAft>
               <a:buNone/>
             </a:pPr>
-            <a:endParaRPr/>
+            <a:r>
+              <a:rPr lang="en-US" dirty="0"/>
+              <a:t>Similar to Price, a high amount of reviews appears to have a correlation with a higher user rating for apps with a rating from 4 to 5</a:t>
+            </a:r>
           </a:p>
         </p:txBody>
       </p:sp>
@@ -8788,8 +8866,8 @@
         </p:nvSpPr>
         <p:spPr>
           <a:xfrm>
-            <a:off x="469798" y="1017800"/>
-            <a:ext cx="8204404" cy="3663300"/>
+            <a:off x="469799" y="1017800"/>
+            <a:ext cx="4102202" cy="3663300"/>
           </a:xfrm>
           <a:prstGeom prst="rect">
             <a:avLst/>
@@ -8804,39 +8882,35 @@
             <a:pPr lvl="0"/>
             <a:r>
               <a:rPr lang="en-US" sz="3200" dirty="0"/>
-              <a:t>1000 trees</a:t>
+              <a:t>Target is highly rated (&gt;=4/5) apps</a:t>
             </a:r>
           </a:p>
           <a:p>
             <a:pPr lvl="0"/>
             <a:r>
               <a:rPr lang="en-US" sz="3200" dirty="0"/>
-              <a:t>Accuracy: 81.6%</a:t>
+              <a:t>Grid Search for optimization</a:t>
             </a:r>
           </a:p>
           <a:p>
             <a:pPr lvl="0"/>
             <a:r>
               <a:rPr lang="en-US" sz="3200" dirty="0"/>
-              <a:t>Precision: 78.5</a:t>
+              <a:t>5 Fold Cross Validation</a:t>
             </a:r>
           </a:p>
           <a:p>
             <a:pPr lvl="0"/>
-            <a:r>
-              <a:rPr lang="en-US" sz="3200" dirty="0"/>
-              <a:t>Recall: 79.5% </a:t>
-            </a:r>
             <a:endParaRPr sz="3200" dirty="0"/>
           </a:p>
         </p:txBody>
       </p:sp>
       <p:pic>
         <p:nvPicPr>
-          <p:cNvPr id="3" name="Picture 2" descr="A screenshot of a cell phone&#10;&#10;Description automatically generated">
+          <p:cNvPr id="4" name="Picture 3" descr="A screenshot of a cell phone&#10;&#10;Description automatically generated">
             <a:extLst>
               <a:ext uri="{FF2B5EF4-FFF2-40B4-BE49-F238E27FC236}">
-                <a16:creationId xmlns:a16="http://schemas.microsoft.com/office/drawing/2014/main" id="{80AD6AD0-C419-CB40-AD43-BF584C5FD96D}"/>
+                <a16:creationId xmlns:a16="http://schemas.microsoft.com/office/drawing/2014/main" id="{133E09AD-4483-A64A-A508-86347C7F931A}"/>
               </a:ext>
             </a:extLst>
           </p:cNvPr>
@@ -8853,8 +8927,8 @@
         </p:blipFill>
         <p:spPr>
           <a:xfrm>
-            <a:off x="4572000" y="1017800"/>
-            <a:ext cx="4115494" cy="2490722"/>
+            <a:off x="4572000" y="713900"/>
+            <a:ext cx="3114953" cy="3242094"/>
           </a:xfrm>
           <a:prstGeom prst="rect">
             <a:avLst/>
@@ -8960,49 +9034,75 @@
           <a:p>
             <a:pPr lvl="0"/>
             <a:r>
-              <a:rPr lang="en-US" sz="3200" dirty="0"/>
-              <a:t>Highly rated applications can be predicted with 81.6% accuracy</a:t>
+              <a:rPr lang="en-US" sz="2400" dirty="0"/>
+              <a:t>~67% AUC with optimized Random Forest</a:t>
             </a:r>
           </a:p>
           <a:p>
+            <a:pPr lvl="0"/>
             <a:r>
-              <a:rPr lang="en-US" sz="3200" dirty="0"/>
-              <a:t>Review count is negligible except for ~18,000, over which it is negative</a:t>
+              <a:rPr lang="en-US" sz="2400" dirty="0"/>
+              <a:t>Most important indicators</a:t>
             </a:r>
           </a:p>
           <a:p>
-            <a:pPr>
-              <a:lnSpc>
-                <a:spcPct val="100000"/>
-              </a:lnSpc>
-            </a:pPr>
+            <a:pPr lvl="1"/>
             <a:r>
-              <a:rPr lang="en-US" sz="3200" dirty="0"/>
-              <a:t>Genre is important, ‘Medical’ particularly</a:t>
+              <a:rPr lang="en-US" sz="2400" dirty="0" err="1"/>
+              <a:t>rating_count_tot</a:t>
+            </a:r>
+            <a:r>
+              <a:rPr lang="en-US" sz="2400" dirty="0"/>
+              <a:t> (number of reviews)</a:t>
             </a:r>
           </a:p>
           <a:p>
-            <a:pPr>
-              <a:lnSpc>
-                <a:spcPct val="100000"/>
-              </a:lnSpc>
-            </a:pPr>
+            <a:pPr lvl="1"/>
             <a:r>
-              <a:rPr lang="en-US" sz="3200" dirty="0"/>
-              <a:t>The effect of Price is negligible</a:t>
+              <a:rPr lang="en-US" sz="2400" dirty="0" err="1"/>
+              <a:t>rating_count_ver</a:t>
+            </a:r>
+            <a:r>
+              <a:rPr lang="en-US" sz="2400" dirty="0"/>
+              <a:t> (reviews for current version of app)</a:t>
             </a:r>
           </a:p>
           <a:p>
-            <a:pPr lvl="1">
-              <a:lnSpc>
-                <a:spcPct val="100000"/>
-              </a:lnSpc>
-            </a:pPr>
-            <a:endParaRPr lang="en-US" sz="2800" dirty="0"/>
+            <a:pPr lvl="0"/>
+            <a:r>
+              <a:rPr lang="en-US" sz="2400" dirty="0"/>
+              <a:t>Other features of note</a:t>
+            </a:r>
           </a:p>
           <a:p>
             <a:pPr lvl="1"/>
-            <a:endParaRPr sz="2800" dirty="0"/>
+            <a:r>
+              <a:rPr lang="en-US" sz="2000" dirty="0" err="1"/>
+              <a:t>size_bytes</a:t>
+            </a:r>
+            <a:r>
+              <a:rPr lang="en-US" sz="2000" dirty="0"/>
+              <a:t> (size of app in bytes)</a:t>
+            </a:r>
+          </a:p>
+          <a:p>
+            <a:pPr lvl="1"/>
+            <a:r>
+              <a:rPr lang="en-US" sz="2000" dirty="0" err="1"/>
+              <a:t>lang_num</a:t>
+            </a:r>
+            <a:r>
+              <a:rPr lang="en-US" sz="2000" dirty="0"/>
+              <a:t> (number of supported languages)</a:t>
+            </a:r>
+          </a:p>
+          <a:p>
+            <a:pPr lvl="0"/>
+            <a:endParaRPr lang="en-US" sz="2400" dirty="0"/>
+          </a:p>
+          <a:p>
+            <a:pPr lvl="1"/>
+            <a:endParaRPr sz="2400" dirty="0"/>
           </a:p>
         </p:txBody>
       </p:sp>
@@ -9875,10 +9975,9 @@
                     <a:lstStyle/>
                     <a:p>
                       <a:r>
-                        <a:rPr lang="en-US" sz="1200"/>
+                        <a:rPr lang="en-US" sz="1200" dirty="0"/>
                         <a:t>System of money for payment </a:t>
                       </a:r>
-                      <a:endParaRPr lang="en-US" sz="1200" dirty="0"/>
                     </a:p>
                   </a:txBody>
                   <a:tcPr/>
@@ -10484,7 +10583,7 @@
             </a:pPr>
             <a:r>
               <a:rPr lang="en-US" dirty="0"/>
-              <a:t>Clean Data</a:t>
+              <a:t>Data Cleaning / Feature Engineering</a:t>
             </a:r>
             <a:endParaRPr dirty="0"/>
           </a:p>
@@ -10515,57 +10614,58 @@
           </a:bodyPr>
           <a:lstStyle/>
           <a:p>
-            <a:pPr lvl="0"/>
             <a:r>
-              <a:rPr lang="en-US" sz="3200" dirty="0"/>
+              <a:rPr lang="en-US" sz="2400" dirty="0"/>
               <a:t>Checked for NA values (none)</a:t>
             </a:r>
           </a:p>
           <a:p>
-            <a:pPr lvl="0"/>
             <a:r>
-              <a:rPr lang="en-US" sz="3200" dirty="0"/>
-              <a:t>Discretized continuous variables</a:t>
+              <a:rPr lang="en-US" sz="2400" dirty="0"/>
+              <a:t>Created dummy variable for high ratings</a:t>
+            </a:r>
+          </a:p>
+          <a:p>
+            <a:r>
+              <a:rPr lang="en-US" sz="2400" dirty="0"/>
+              <a:t>Dropped unnecessary/unhelpful columns</a:t>
+            </a:r>
+          </a:p>
+          <a:p>
+            <a:r>
+              <a:rPr lang="en-US" sz="2400" dirty="0"/>
+              <a:t>Label encoded categorical variables</a:t>
+            </a:r>
+          </a:p>
+          <a:p>
+            <a:pPr lvl="1"/>
+            <a:r>
+              <a:rPr lang="en-US" sz="2400" dirty="0" err="1"/>
+              <a:t>cont_rating</a:t>
+            </a:r>
+            <a:r>
+              <a:rPr lang="en-US" sz="2400" dirty="0"/>
+              <a:t> (the age rating given to the app)</a:t>
+            </a:r>
+          </a:p>
+          <a:p>
+            <a:pPr lvl="1"/>
+            <a:r>
+              <a:rPr lang="en-US" sz="2400" dirty="0" err="1"/>
+              <a:t>prime_genre</a:t>
+            </a:r>
+            <a:r>
+              <a:rPr lang="en-US" sz="2400" dirty="0"/>
+              <a:t> (the main genre of the app)</a:t>
             </a:r>
           </a:p>
           <a:p>
             <a:pPr lvl="0"/>
-            <a:r>
-              <a:rPr lang="en-US" sz="3200" dirty="0"/>
-              <a:t>Cut versions to the initial number</a:t>
-            </a:r>
+            <a:endParaRPr lang="en-US" sz="2400" dirty="0"/>
           </a:p>
           <a:p>
             <a:pPr lvl="0"/>
-            <a:r>
-              <a:rPr lang="en-US" sz="3200" dirty="0"/>
-              <a:t>Group version numbers over 50 into 50</a:t>
-            </a:r>
-          </a:p>
-          <a:p>
-            <a:pPr lvl="0"/>
-            <a:r>
-              <a:rPr lang="en-US" sz="3200" dirty="0"/>
-              <a:t>Created dummy variable for high</a:t>
-            </a:r>
-          </a:p>
-          <a:p>
-            <a:pPr marL="114300" lvl="0" indent="0">
-              <a:buNone/>
-            </a:pPr>
-            <a:r>
-              <a:rPr lang="en-US" sz="3200" dirty="0"/>
-              <a:t>    ratings</a:t>
-            </a:r>
-            <a:endParaRPr lang="en-US" sz="2800" dirty="0"/>
-          </a:p>
-          <a:p>
-            <a:pPr lvl="0"/>
-            <a:endParaRPr lang="en-US" sz="3200" dirty="0"/>
-          </a:p>
-          <a:p>
-            <a:pPr lvl="0"/>
-            <a:endParaRPr lang="en-US" sz="3200" dirty="0"/>
+            <a:endParaRPr lang="en-US" sz="2400" dirty="0"/>
           </a:p>
           <a:p>
             <a:pPr marL="457200" lvl="0" indent="-342900" algn="l" rtl="0">
@@ -10578,7 +10678,7 @@
               <a:buSzPts val="1800"/>
               <a:buChar char="●"/>
             </a:pPr>
-            <a:endParaRPr sz="3200" dirty="0"/>
+            <a:endParaRPr sz="2400" dirty="0"/>
           </a:p>
         </p:txBody>
       </p:sp>
@@ -10639,10 +10739,10 @@
           <a:p>
             <a:pPr lvl="0"/>
             <a:r>
-              <a:rPr lang="en-US" b="1" dirty="0"/>
+              <a:rPr lang="en-US" dirty="0"/>
               <a:t>Do expensive apps receive high ratings?</a:t>
             </a:r>
-            <a:endParaRPr b="1" dirty="0"/>
+            <a:endParaRPr dirty="0"/>
           </a:p>
         </p:txBody>
       </p:sp>
@@ -10673,10 +10773,10 @@
       </p:sp>
       <p:pic>
         <p:nvPicPr>
-          <p:cNvPr id="7" name="Picture 6" descr="A screenshot of a cell phone&#10;&#10;Description automatically generated">
+          <p:cNvPr id="4" name="Picture 3" descr="A close up of a map&#10;&#10;Description automatically generated">
             <a:extLst>
               <a:ext uri="{FF2B5EF4-FFF2-40B4-BE49-F238E27FC236}">
-                <a16:creationId xmlns:a16="http://schemas.microsoft.com/office/drawing/2014/main" id="{B972B4CE-ABCE-0741-9238-55618774790A}"/>
+                <a16:creationId xmlns:a16="http://schemas.microsoft.com/office/drawing/2014/main" id="{9383E7A8-1DA3-7A46-92B8-71FBD431A4B4}"/>
               </a:ext>
             </a:extLst>
           </p:cNvPr>
@@ -10693,8 +10793,8 @@
         </p:blipFill>
         <p:spPr>
           <a:xfrm>
-            <a:off x="2123752" y="1230236"/>
-            <a:ext cx="4341332" cy="3338639"/>
+            <a:off x="2937937" y="1229875"/>
+            <a:ext cx="3268125" cy="3339000"/>
           </a:xfrm>
           <a:prstGeom prst="rect">
             <a:avLst/>
@@ -10757,7 +10857,7 @@
           <a:lstStyle/>
           <a:p>
             <a:r>
-              <a:rPr lang="en-US" b="1" dirty="0"/>
+              <a:rPr lang="en-US" dirty="0"/>
               <a:t>What genre has the highest percentage of highly rated apps?</a:t>
             </a:r>
           </a:p>
@@ -10790,10 +10890,10 @@
       </p:sp>
       <p:pic>
         <p:nvPicPr>
-          <p:cNvPr id="7" name="Picture 6" descr="A screenshot of a cell phone&#10;&#10;Description automatically generated">
+          <p:cNvPr id="4" name="Picture 3" descr="A close up of a logo&#10;&#10;Description automatically generated">
             <a:extLst>
               <a:ext uri="{FF2B5EF4-FFF2-40B4-BE49-F238E27FC236}">
-                <a16:creationId xmlns:a16="http://schemas.microsoft.com/office/drawing/2014/main" id="{8C4EB840-9009-F147-B837-3A90DD6219BB}"/>
+                <a16:creationId xmlns:a16="http://schemas.microsoft.com/office/drawing/2014/main" id="{9F22C7EE-A192-CF4D-A836-778421762525}"/>
               </a:ext>
             </a:extLst>
           </p:cNvPr>
@@ -10810,8 +10910,8 @@
         </p:blipFill>
         <p:spPr>
           <a:xfrm>
-            <a:off x="2730943" y="1227207"/>
-            <a:ext cx="3682114" cy="3336332"/>
+            <a:off x="2769980" y="1226269"/>
+            <a:ext cx="3604039" cy="3342606"/>
           </a:xfrm>
           <a:prstGeom prst="rect">
             <a:avLst/>
@@ -10874,7 +10974,7 @@
           <a:lstStyle/>
           <a:p>
             <a:r>
-              <a:rPr lang="en-US" b="1" dirty="0"/>
+              <a:rPr lang="en-US" dirty="0"/>
               <a:t>Do apps with more reviews receive higher ratings?</a:t>
             </a:r>
           </a:p>
@@ -10907,10 +11007,10 @@
       </p:sp>
       <p:pic>
         <p:nvPicPr>
-          <p:cNvPr id="11" name="Picture 10" descr="A screenshot of a cell phone&#10;&#10;Description automatically generated">
+          <p:cNvPr id="4" name="Picture 3" descr="A close up of a map&#10;&#10;Description automatically generated">
             <a:extLst>
               <a:ext uri="{FF2B5EF4-FFF2-40B4-BE49-F238E27FC236}">
-                <a16:creationId xmlns:a16="http://schemas.microsoft.com/office/drawing/2014/main" id="{72087273-9EF7-CC48-959A-E8CF23A6FB99}"/>
+                <a16:creationId xmlns:a16="http://schemas.microsoft.com/office/drawing/2014/main" id="{C07D86DF-16CA-724C-A77C-7ECF7B1DD1A9}"/>
               </a:ext>
             </a:extLst>
           </p:cNvPr>
@@ -10927,8 +11027,8 @@
         </p:blipFill>
         <p:spPr>
           <a:xfrm>
-            <a:off x="2810687" y="1229875"/>
-            <a:ext cx="3522626" cy="3343812"/>
+            <a:off x="2935732" y="1229875"/>
+            <a:ext cx="3272535" cy="3343506"/>
           </a:xfrm>
           <a:prstGeom prst="rect">
             <a:avLst/>
